--- a/bin/04_Documentation/Powerpoint/PipelineProcess.pptx
+++ b/bin/04_Documentation/Powerpoint/PipelineProcess.pptx
@@ -260,7 +260,7 @@
           <a:p>
             <a:fld id="{CF7932D1-C235-46FF-BE75-E38AA96A68AE}" type="datetimeFigureOut">
               <a:rPr lang="de-DE" smtClean="0"/>
-              <a:t>11.02.2020</a:t>
+              <a:t>24.03.2020</a:t>
             </a:fld>
             <a:endParaRPr lang="de-DE"/>
           </a:p>
@@ -458,7 +458,7 @@
           <a:p>
             <a:fld id="{CF7932D1-C235-46FF-BE75-E38AA96A68AE}" type="datetimeFigureOut">
               <a:rPr lang="de-DE" smtClean="0"/>
-              <a:t>11.02.2020</a:t>
+              <a:t>24.03.2020</a:t>
             </a:fld>
             <a:endParaRPr lang="de-DE"/>
           </a:p>
@@ -666,7 +666,7 @@
           <a:p>
             <a:fld id="{CF7932D1-C235-46FF-BE75-E38AA96A68AE}" type="datetimeFigureOut">
               <a:rPr lang="de-DE" smtClean="0"/>
-              <a:t>11.02.2020</a:t>
+              <a:t>24.03.2020</a:t>
             </a:fld>
             <a:endParaRPr lang="de-DE"/>
           </a:p>
@@ -864,7 +864,7 @@
           <a:p>
             <a:fld id="{CF7932D1-C235-46FF-BE75-E38AA96A68AE}" type="datetimeFigureOut">
               <a:rPr lang="de-DE" smtClean="0"/>
-              <a:t>11.02.2020</a:t>
+              <a:t>24.03.2020</a:t>
             </a:fld>
             <a:endParaRPr lang="de-DE"/>
           </a:p>
@@ -1139,7 +1139,7 @@
           <a:p>
             <a:fld id="{CF7932D1-C235-46FF-BE75-E38AA96A68AE}" type="datetimeFigureOut">
               <a:rPr lang="de-DE" smtClean="0"/>
-              <a:t>11.02.2020</a:t>
+              <a:t>24.03.2020</a:t>
             </a:fld>
             <a:endParaRPr lang="de-DE"/>
           </a:p>
@@ -1404,7 +1404,7 @@
           <a:p>
             <a:fld id="{CF7932D1-C235-46FF-BE75-E38AA96A68AE}" type="datetimeFigureOut">
               <a:rPr lang="de-DE" smtClean="0"/>
-              <a:t>11.02.2020</a:t>
+              <a:t>24.03.2020</a:t>
             </a:fld>
             <a:endParaRPr lang="de-DE"/>
           </a:p>
@@ -1816,7 +1816,7 @@
           <a:p>
             <a:fld id="{CF7932D1-C235-46FF-BE75-E38AA96A68AE}" type="datetimeFigureOut">
               <a:rPr lang="de-DE" smtClean="0"/>
-              <a:t>11.02.2020</a:t>
+              <a:t>24.03.2020</a:t>
             </a:fld>
             <a:endParaRPr lang="de-DE"/>
           </a:p>
@@ -1957,7 +1957,7 @@
           <a:p>
             <a:fld id="{CF7932D1-C235-46FF-BE75-E38AA96A68AE}" type="datetimeFigureOut">
               <a:rPr lang="de-DE" smtClean="0"/>
-              <a:t>11.02.2020</a:t>
+              <a:t>24.03.2020</a:t>
             </a:fld>
             <a:endParaRPr lang="de-DE"/>
           </a:p>
@@ -2070,7 +2070,7 @@
           <a:p>
             <a:fld id="{CF7932D1-C235-46FF-BE75-E38AA96A68AE}" type="datetimeFigureOut">
               <a:rPr lang="de-DE" smtClean="0"/>
-              <a:t>11.02.2020</a:t>
+              <a:t>24.03.2020</a:t>
             </a:fld>
             <a:endParaRPr lang="de-DE"/>
           </a:p>
@@ -2381,7 +2381,7 @@
           <a:p>
             <a:fld id="{CF7932D1-C235-46FF-BE75-E38AA96A68AE}" type="datetimeFigureOut">
               <a:rPr lang="de-DE" smtClean="0"/>
-              <a:t>11.02.2020</a:t>
+              <a:t>24.03.2020</a:t>
             </a:fld>
             <a:endParaRPr lang="de-DE"/>
           </a:p>
@@ -2669,7 +2669,7 @@
           <a:p>
             <a:fld id="{CF7932D1-C235-46FF-BE75-E38AA96A68AE}" type="datetimeFigureOut">
               <a:rPr lang="de-DE" smtClean="0"/>
-              <a:t>11.02.2020</a:t>
+              <a:t>24.03.2020</a:t>
             </a:fld>
             <a:endParaRPr lang="de-DE"/>
           </a:p>
@@ -2910,7 +2910,7 @@
           <a:p>
             <a:fld id="{CF7932D1-C235-46FF-BE75-E38AA96A68AE}" type="datetimeFigureOut">
               <a:rPr lang="de-DE" smtClean="0"/>
-              <a:t>11.02.2020</a:t>
+              <a:t>24.03.2020</a:t>
             </a:fld>
             <a:endParaRPr lang="de-DE"/>
           </a:p>
@@ -4673,7 +4673,7 @@
         </p:nvSpPr>
         <p:spPr>
           <a:xfrm>
-            <a:off x="3121659" y="1720820"/>
+            <a:off x="3164508" y="1720820"/>
             <a:ext cx="1285875" cy="537675"/>
           </a:xfrm>
           <a:prstGeom prst="rect">
@@ -4882,60 +4882,6 @@
               <a:latin typeface="Arial" panose="020B0604020202020204" pitchFamily="34" charset="0"/>
               <a:cs typeface="Arial" panose="020B0604020202020204" pitchFamily="34" charset="0"/>
             </a:endParaRPr>
-          </a:p>
-        </p:txBody>
-      </p:sp>
-      <p:sp>
-        <p:nvSpPr>
-          <p:cNvPr id="76" name="Raute 75">
-            <a:extLst>
-              <a:ext uri="{FF2B5EF4-FFF2-40B4-BE49-F238E27FC236}">
-                <a16:creationId xmlns:a16="http://schemas.microsoft.com/office/drawing/2014/main" id="{D6C68462-77F6-4961-8075-C408D1111FE9}"/>
-              </a:ext>
-            </a:extLst>
-          </p:cNvPr>
-          <p:cNvSpPr/>
-          <p:nvPr/>
-        </p:nvSpPr>
-        <p:spPr>
-          <a:xfrm>
-            <a:off x="4635162" y="1811700"/>
-            <a:ext cx="360000" cy="360000"/>
-          </a:xfrm>
-          <a:prstGeom prst="diamond">
-            <a:avLst/>
-          </a:prstGeom>
-          <a:solidFill>
-            <a:schemeClr val="tx1"/>
-          </a:solidFill>
-          <a:ln>
-            <a:solidFill>
-              <a:schemeClr val="tx1"/>
-            </a:solidFill>
-          </a:ln>
-        </p:spPr>
-        <p:style>
-          <a:lnRef idx="2">
-            <a:schemeClr val="accent1">
-              <a:shade val="50000"/>
-            </a:schemeClr>
-          </a:lnRef>
-          <a:fillRef idx="1">
-            <a:schemeClr val="accent1"/>
-          </a:fillRef>
-          <a:effectRef idx="0">
-            <a:schemeClr val="accent1"/>
-          </a:effectRef>
-          <a:fontRef idx="minor">
-            <a:schemeClr val="lt1"/>
-          </a:fontRef>
-        </p:style>
-        <p:txBody>
-          <a:bodyPr rtlCol="0" anchor="ctr"/>
-          <a:lstStyle/>
-          <a:p>
-            <a:pPr algn="ctr"/>
-            <a:endParaRPr lang="de-DE"/>
           </a:p>
         </p:txBody>
       </p:sp>
@@ -5397,8 +5343,8 @@
         </p:nvCxnSpPr>
         <p:spPr>
           <a:xfrm rot="5400000" flipH="1" flipV="1">
-            <a:off x="2290527" y="2417870"/>
-            <a:ext cx="1259343" cy="402921"/>
+            <a:off x="2311952" y="2396445"/>
+            <a:ext cx="1259343" cy="445770"/>
           </a:xfrm>
           <a:prstGeom prst="bentConnector2">
             <a:avLst/>
@@ -5437,14 +5383,14 @@
           <p:cNvCxnSpPr>
             <a:cxnSpLocks/>
             <a:stCxn id="55" idx="3"/>
-            <a:endCxn id="76" idx="1"/>
+            <a:endCxn id="56" idx="1"/>
           </p:cNvCxnSpPr>
           <p:nvPr/>
         </p:nvCxnSpPr>
         <p:spPr>
           <a:xfrm>
-            <a:off x="4407534" y="1989658"/>
-            <a:ext cx="227628" cy="2042"/>
+            <a:off x="4450383" y="1989658"/>
+            <a:ext cx="776300" cy="12700"/>
           </a:xfrm>
           <a:prstGeom prst="bentConnector3">
             <a:avLst>
@@ -5475,24 +5421,24 @@
       </p:cxnSp>
       <p:cxnSp>
         <p:nvCxnSpPr>
-          <p:cNvPr id="92" name="Verbinder: gewinkelt 91">
-            <a:extLst>
-              <a:ext uri="{FF2B5EF4-FFF2-40B4-BE49-F238E27FC236}">
-                <a16:creationId xmlns:a16="http://schemas.microsoft.com/office/drawing/2014/main" id="{59FA81A0-75D7-43E7-8863-55444DFA336C}"/>
+          <p:cNvPr id="95" name="Verbinder: gewinkelt 94">
+            <a:extLst>
+              <a:ext uri="{FF2B5EF4-FFF2-40B4-BE49-F238E27FC236}">
+                <a16:creationId xmlns:a16="http://schemas.microsoft.com/office/drawing/2014/main" id="{73378B6A-A0B1-4641-8E4B-B42B126AFD59}"/>
               </a:ext>
             </a:extLst>
           </p:cNvPr>
           <p:cNvCxnSpPr>
             <a:cxnSpLocks/>
-            <a:stCxn id="76" idx="3"/>
-            <a:endCxn id="56" idx="1"/>
+            <a:stCxn id="56" idx="3"/>
+            <a:endCxn id="77" idx="1"/>
           </p:cNvCxnSpPr>
           <p:nvPr/>
         </p:nvCxnSpPr>
         <p:spPr>
-          <a:xfrm flipV="1">
-            <a:off x="4995162" y="1989658"/>
-            <a:ext cx="231521" cy="2042"/>
+          <a:xfrm>
+            <a:off x="6512558" y="1989658"/>
+            <a:ext cx="227414" cy="2042"/>
           </a:xfrm>
           <a:prstGeom prst="bentConnector3">
             <a:avLst>
@@ -5523,24 +5469,24 @@
       </p:cxnSp>
       <p:cxnSp>
         <p:nvCxnSpPr>
-          <p:cNvPr id="95" name="Verbinder: gewinkelt 94">
-            <a:extLst>
-              <a:ext uri="{FF2B5EF4-FFF2-40B4-BE49-F238E27FC236}">
-                <a16:creationId xmlns:a16="http://schemas.microsoft.com/office/drawing/2014/main" id="{73378B6A-A0B1-4641-8E4B-B42B126AFD59}"/>
+          <p:cNvPr id="98" name="Verbinder: gewinkelt 97">
+            <a:extLst>
+              <a:ext uri="{FF2B5EF4-FFF2-40B4-BE49-F238E27FC236}">
+                <a16:creationId xmlns:a16="http://schemas.microsoft.com/office/drawing/2014/main" id="{13119882-443A-49C2-A95F-19EB2D05F9EC}"/>
               </a:ext>
             </a:extLst>
           </p:cNvPr>
           <p:cNvCxnSpPr>
             <a:cxnSpLocks/>
-            <a:stCxn id="56" idx="3"/>
-            <a:endCxn id="77" idx="1"/>
+            <a:stCxn id="77" idx="3"/>
+            <a:endCxn id="57" idx="1"/>
           </p:cNvCxnSpPr>
           <p:nvPr/>
         </p:nvCxnSpPr>
         <p:spPr>
-          <a:xfrm>
-            <a:off x="6512558" y="1989658"/>
-            <a:ext cx="227414" cy="2042"/>
+          <a:xfrm flipV="1">
+            <a:off x="7099972" y="1989658"/>
+            <a:ext cx="234446" cy="2042"/>
           </a:xfrm>
           <a:prstGeom prst="bentConnector3">
             <a:avLst>
@@ -5571,24 +5517,24 @@
       </p:cxnSp>
       <p:cxnSp>
         <p:nvCxnSpPr>
-          <p:cNvPr id="98" name="Verbinder: gewinkelt 97">
-            <a:extLst>
-              <a:ext uri="{FF2B5EF4-FFF2-40B4-BE49-F238E27FC236}">
-                <a16:creationId xmlns:a16="http://schemas.microsoft.com/office/drawing/2014/main" id="{13119882-443A-49C2-A95F-19EB2D05F9EC}"/>
+          <p:cNvPr id="102" name="Verbinder: gewinkelt 101">
+            <a:extLst>
+              <a:ext uri="{FF2B5EF4-FFF2-40B4-BE49-F238E27FC236}">
+                <a16:creationId xmlns:a16="http://schemas.microsoft.com/office/drawing/2014/main" id="{FA0BDF66-C470-4BC9-A859-727FE499BA38}"/>
               </a:ext>
             </a:extLst>
           </p:cNvPr>
           <p:cNvCxnSpPr>
             <a:cxnSpLocks/>
-            <a:stCxn id="77" idx="3"/>
-            <a:endCxn id="57" idx="1"/>
+            <a:stCxn id="57" idx="3"/>
+            <a:endCxn id="78" idx="2"/>
           </p:cNvCxnSpPr>
           <p:nvPr/>
         </p:nvCxnSpPr>
         <p:spPr>
-          <a:xfrm flipV="1">
-            <a:off x="7099972" y="1989658"/>
-            <a:ext cx="234446" cy="2042"/>
+          <a:xfrm>
+            <a:off x="8856684" y="1989658"/>
+            <a:ext cx="2527651" cy="90"/>
           </a:xfrm>
           <a:prstGeom prst="bentConnector3">
             <a:avLst>
@@ -5619,24 +5565,24 @@
       </p:cxnSp>
       <p:cxnSp>
         <p:nvCxnSpPr>
-          <p:cNvPr id="102" name="Verbinder: gewinkelt 101">
-            <a:extLst>
-              <a:ext uri="{FF2B5EF4-FFF2-40B4-BE49-F238E27FC236}">
-                <a16:creationId xmlns:a16="http://schemas.microsoft.com/office/drawing/2014/main" id="{FA0BDF66-C470-4BC9-A859-727FE499BA38}"/>
+          <p:cNvPr id="105" name="Verbinder: gewinkelt 104">
+            <a:extLst>
+              <a:ext uri="{FF2B5EF4-FFF2-40B4-BE49-F238E27FC236}">
+                <a16:creationId xmlns:a16="http://schemas.microsoft.com/office/drawing/2014/main" id="{7B1F9147-073C-4D3B-81AE-AA968C803508}"/>
               </a:ext>
             </a:extLst>
           </p:cNvPr>
           <p:cNvCxnSpPr>
             <a:cxnSpLocks/>
-            <a:stCxn id="57" idx="3"/>
-            <a:endCxn id="78" idx="2"/>
+            <a:stCxn id="14" idx="3"/>
+            <a:endCxn id="82" idx="2"/>
           </p:cNvCxnSpPr>
           <p:nvPr/>
         </p:nvCxnSpPr>
         <p:spPr>
-          <a:xfrm>
-            <a:off x="8856684" y="1989658"/>
-            <a:ext cx="2527651" cy="90"/>
+          <a:xfrm flipV="1">
+            <a:off x="10725476" y="3428998"/>
+            <a:ext cx="658859" cy="1"/>
           </a:xfrm>
           <a:prstGeom prst="bentConnector3">
             <a:avLst>
@@ -5665,26 +5611,153 @@
           </a:fontRef>
         </p:style>
       </p:cxnSp>
+      <p:sp>
+        <p:nvSpPr>
+          <p:cNvPr id="107" name="Raute 106">
+            <a:extLst>
+              <a:ext uri="{FF2B5EF4-FFF2-40B4-BE49-F238E27FC236}">
+                <a16:creationId xmlns:a16="http://schemas.microsoft.com/office/drawing/2014/main" id="{7C23FEAC-8332-4038-ABB6-5A10332A3E7A}"/>
+              </a:ext>
+            </a:extLst>
+          </p:cNvPr>
+          <p:cNvSpPr/>
+          <p:nvPr/>
+        </p:nvSpPr>
+        <p:spPr>
+          <a:xfrm>
+            <a:off x="9470391" y="1811700"/>
+            <a:ext cx="360000" cy="360000"/>
+          </a:xfrm>
+          <a:prstGeom prst="diamond">
+            <a:avLst/>
+          </a:prstGeom>
+          <a:solidFill>
+            <a:schemeClr val="tx1"/>
+          </a:solidFill>
+          <a:ln>
+            <a:solidFill>
+              <a:schemeClr val="tx1"/>
+            </a:solidFill>
+          </a:ln>
+        </p:spPr>
+        <p:style>
+          <a:lnRef idx="2">
+            <a:schemeClr val="accent1">
+              <a:shade val="50000"/>
+            </a:schemeClr>
+          </a:lnRef>
+          <a:fillRef idx="1">
+            <a:schemeClr val="accent1"/>
+          </a:fillRef>
+          <a:effectRef idx="0">
+            <a:schemeClr val="accent1"/>
+          </a:effectRef>
+          <a:fontRef idx="minor">
+            <a:schemeClr val="lt1"/>
+          </a:fontRef>
+        </p:style>
+        <p:txBody>
+          <a:bodyPr rtlCol="0" anchor="ctr"/>
+          <a:lstStyle/>
+          <a:p>
+            <a:pPr algn="ctr"/>
+            <a:endParaRPr lang="de-DE"/>
+          </a:p>
+        </p:txBody>
+      </p:sp>
+      <p:sp>
+        <p:nvSpPr>
+          <p:cNvPr id="110" name="Rechteck 109">
+            <a:extLst>
+              <a:ext uri="{FF2B5EF4-FFF2-40B4-BE49-F238E27FC236}">
+                <a16:creationId xmlns:a16="http://schemas.microsoft.com/office/drawing/2014/main" id="{A28F1DE9-4CA6-4DB8-8A60-0B7C1792AB77}"/>
+              </a:ext>
+            </a:extLst>
+          </p:cNvPr>
+          <p:cNvSpPr/>
+          <p:nvPr/>
+        </p:nvSpPr>
+        <p:spPr>
+          <a:xfrm>
+            <a:off x="7212159" y="5405995"/>
+            <a:ext cx="1522266" cy="537675"/>
+          </a:xfrm>
+          <a:prstGeom prst="rect">
+            <a:avLst/>
+          </a:prstGeom>
+          <a:solidFill>
+            <a:schemeClr val="bg1"/>
+          </a:solidFill>
+          <a:ln>
+            <a:solidFill>
+              <a:schemeClr val="tx1"/>
+            </a:solidFill>
+          </a:ln>
+        </p:spPr>
+        <p:style>
+          <a:lnRef idx="2">
+            <a:schemeClr val="accent1">
+              <a:shade val="50000"/>
+            </a:schemeClr>
+          </a:lnRef>
+          <a:fillRef idx="1">
+            <a:schemeClr val="accent1"/>
+          </a:fillRef>
+          <a:effectRef idx="0">
+            <a:schemeClr val="accent1"/>
+          </a:effectRef>
+          <a:fontRef idx="minor">
+            <a:schemeClr val="lt1"/>
+          </a:fontRef>
+        </p:style>
+        <p:txBody>
+          <a:bodyPr rtlCol="0" anchor="ctr"/>
+          <a:lstStyle/>
+          <a:p>
+            <a:pPr algn="ctr"/>
+            <a:r>
+              <a:rPr lang="de-DE" sz="1600" dirty="0" err="1">
+                <a:solidFill>
+                  <a:schemeClr val="tx1"/>
+                </a:solidFill>
+                <a:latin typeface="Arial" panose="020B0604020202020204" pitchFamily="34" charset="0"/>
+                <a:cs typeface="Arial" panose="020B0604020202020204" pitchFamily="34" charset="0"/>
+              </a:rPr>
+              <a:t>Build</a:t>
+            </a:r>
+            <a:r>
+              <a:rPr lang="de-DE" sz="1600" dirty="0">
+                <a:solidFill>
+                  <a:schemeClr val="tx1"/>
+                </a:solidFill>
+                <a:latin typeface="Arial" panose="020B0604020202020204" pitchFamily="34" charset="0"/>
+                <a:cs typeface="Arial" panose="020B0604020202020204" pitchFamily="34" charset="0"/>
+              </a:rPr>
+              <a:t>, Test, Deploy</a:t>
+            </a:r>
+          </a:p>
+        </p:txBody>
+      </p:sp>
       <p:cxnSp>
         <p:nvCxnSpPr>
-          <p:cNvPr id="105" name="Verbinder: gewinkelt 104">
-            <a:extLst>
-              <a:ext uri="{FF2B5EF4-FFF2-40B4-BE49-F238E27FC236}">
-                <a16:creationId xmlns:a16="http://schemas.microsoft.com/office/drawing/2014/main" id="{7B1F9147-073C-4D3B-81AE-AA968C803508}"/>
+          <p:cNvPr id="111" name="Verbinder: gewinkelt 110">
+            <a:extLst>
+              <a:ext uri="{FF2B5EF4-FFF2-40B4-BE49-F238E27FC236}">
+                <a16:creationId xmlns:a16="http://schemas.microsoft.com/office/drawing/2014/main" id="{7E4361E0-878B-4B9A-AB8A-25A030845B23}"/>
               </a:ext>
             </a:extLst>
           </p:cNvPr>
           <p:cNvCxnSpPr>
             <a:cxnSpLocks/>
-            <a:stCxn id="14" idx="3"/>
-            <a:endCxn id="82" idx="2"/>
+            <a:stCxn id="110" idx="3"/>
+            <a:endCxn id="85" idx="2"/>
           </p:cNvCxnSpPr>
           <p:nvPr/>
         </p:nvCxnSpPr>
         <p:spPr>
-          <a:xfrm flipV="1">
-            <a:off x="10725476" y="3428998"/>
-            <a:ext cx="658859" cy="1"/>
+          <a:xfrm>
+            <a:off x="8734425" y="5674833"/>
+            <a:ext cx="2703910" cy="2100"/>
           </a:xfrm>
           <a:prstGeom prst="bentConnector3">
             <a:avLst>
@@ -5713,201 +5786,26 @@
           </a:fontRef>
         </p:style>
       </p:cxnSp>
-      <p:sp>
-        <p:nvSpPr>
-          <p:cNvPr id="107" name="Raute 106">
-            <a:extLst>
-              <a:ext uri="{FF2B5EF4-FFF2-40B4-BE49-F238E27FC236}">
-                <a16:creationId xmlns:a16="http://schemas.microsoft.com/office/drawing/2014/main" id="{7C23FEAC-8332-4038-ABB6-5A10332A3E7A}"/>
-              </a:ext>
-            </a:extLst>
-          </p:cNvPr>
-          <p:cNvSpPr/>
-          <p:nvPr/>
-        </p:nvSpPr>
-        <p:spPr>
-          <a:xfrm>
-            <a:off x="9470391" y="1811700"/>
-            <a:ext cx="360000" cy="360000"/>
-          </a:xfrm>
-          <a:prstGeom prst="diamond">
-            <a:avLst/>
-          </a:prstGeom>
-          <a:solidFill>
-            <a:schemeClr val="tx1"/>
-          </a:solidFill>
-          <a:ln>
-            <a:solidFill>
-              <a:schemeClr val="tx1"/>
-            </a:solidFill>
-          </a:ln>
-        </p:spPr>
-        <p:style>
-          <a:lnRef idx="2">
-            <a:schemeClr val="accent1">
-              <a:shade val="50000"/>
-            </a:schemeClr>
-          </a:lnRef>
-          <a:fillRef idx="1">
-            <a:schemeClr val="accent1"/>
-          </a:fillRef>
-          <a:effectRef idx="0">
-            <a:schemeClr val="accent1"/>
-          </a:effectRef>
-          <a:fontRef idx="minor">
-            <a:schemeClr val="lt1"/>
-          </a:fontRef>
-        </p:style>
-        <p:txBody>
-          <a:bodyPr rtlCol="0" anchor="ctr"/>
-          <a:lstStyle/>
-          <a:p>
-            <a:pPr algn="ctr"/>
-            <a:endParaRPr lang="de-DE"/>
-          </a:p>
-        </p:txBody>
-      </p:sp>
-      <p:sp>
-        <p:nvSpPr>
-          <p:cNvPr id="110" name="Rechteck 109">
-            <a:extLst>
-              <a:ext uri="{FF2B5EF4-FFF2-40B4-BE49-F238E27FC236}">
-                <a16:creationId xmlns:a16="http://schemas.microsoft.com/office/drawing/2014/main" id="{A28F1DE9-4CA6-4DB8-8A60-0B7C1792AB77}"/>
-              </a:ext>
-            </a:extLst>
-          </p:cNvPr>
-          <p:cNvSpPr/>
-          <p:nvPr/>
-        </p:nvSpPr>
-        <p:spPr>
-          <a:xfrm>
-            <a:off x="7212159" y="5405995"/>
-            <a:ext cx="1522266" cy="537675"/>
-          </a:xfrm>
-          <a:prstGeom prst="rect">
-            <a:avLst/>
-          </a:prstGeom>
-          <a:solidFill>
-            <a:schemeClr val="bg1"/>
-          </a:solidFill>
-          <a:ln>
-            <a:solidFill>
-              <a:schemeClr val="tx1"/>
-            </a:solidFill>
-          </a:ln>
-        </p:spPr>
-        <p:style>
-          <a:lnRef idx="2">
-            <a:schemeClr val="accent1">
-              <a:shade val="50000"/>
-            </a:schemeClr>
-          </a:lnRef>
-          <a:fillRef idx="1">
-            <a:schemeClr val="accent1"/>
-          </a:fillRef>
-          <a:effectRef idx="0">
-            <a:schemeClr val="accent1"/>
-          </a:effectRef>
-          <a:fontRef idx="minor">
-            <a:schemeClr val="lt1"/>
-          </a:fontRef>
-        </p:style>
-        <p:txBody>
-          <a:bodyPr rtlCol="0" anchor="ctr"/>
-          <a:lstStyle/>
-          <a:p>
-            <a:pPr algn="ctr"/>
-            <a:r>
-              <a:rPr lang="de-DE" sz="1600" dirty="0" err="1">
-                <a:solidFill>
-                  <a:schemeClr val="tx1"/>
-                </a:solidFill>
-                <a:latin typeface="Arial" panose="020B0604020202020204" pitchFamily="34" charset="0"/>
-                <a:cs typeface="Arial" panose="020B0604020202020204" pitchFamily="34" charset="0"/>
-              </a:rPr>
-              <a:t>Build</a:t>
-            </a:r>
-            <a:r>
-              <a:rPr lang="de-DE" sz="1600" dirty="0">
-                <a:solidFill>
-                  <a:schemeClr val="tx1"/>
-                </a:solidFill>
-                <a:latin typeface="Arial" panose="020B0604020202020204" pitchFamily="34" charset="0"/>
-                <a:cs typeface="Arial" panose="020B0604020202020204" pitchFamily="34" charset="0"/>
-              </a:rPr>
-              <a:t>, Test, Deploy</a:t>
-            </a:r>
-          </a:p>
-        </p:txBody>
-      </p:sp>
       <p:cxnSp>
         <p:nvCxnSpPr>
-          <p:cNvPr id="111" name="Verbinder: gewinkelt 110">
-            <a:extLst>
-              <a:ext uri="{FF2B5EF4-FFF2-40B4-BE49-F238E27FC236}">
-                <a16:creationId xmlns:a16="http://schemas.microsoft.com/office/drawing/2014/main" id="{7E4361E0-878B-4B9A-AB8A-25A030845B23}"/>
+          <p:cNvPr id="120" name="Verbinder: gewinkelt 119">
+            <a:extLst>
+              <a:ext uri="{FF2B5EF4-FFF2-40B4-BE49-F238E27FC236}">
+                <a16:creationId xmlns:a16="http://schemas.microsoft.com/office/drawing/2014/main" id="{910FAA06-DDB5-4369-87D2-1D84BF34DFE9}"/>
               </a:ext>
             </a:extLst>
           </p:cNvPr>
           <p:cNvCxnSpPr>
             <a:cxnSpLocks/>
-            <a:stCxn id="110" idx="3"/>
-            <a:endCxn id="85" idx="2"/>
-          </p:cNvCxnSpPr>
-          <p:nvPr/>
-        </p:nvCxnSpPr>
-        <p:spPr>
-          <a:xfrm>
-            <a:off x="8734425" y="5674833"/>
-            <a:ext cx="2703910" cy="2100"/>
-          </a:xfrm>
-          <a:prstGeom prst="bentConnector3">
-            <a:avLst>
-              <a:gd name="adj1" fmla="val 50000"/>
-            </a:avLst>
-          </a:prstGeom>
-          <a:ln>
-            <a:solidFill>
-              <a:schemeClr val="tx1"/>
-            </a:solidFill>
-            <a:tailEnd type="triangle"/>
-          </a:ln>
-        </p:spPr>
-        <p:style>
-          <a:lnRef idx="1">
-            <a:schemeClr val="accent1"/>
-          </a:lnRef>
-          <a:fillRef idx="0">
-            <a:schemeClr val="accent1"/>
-          </a:fillRef>
-          <a:effectRef idx="0">
-            <a:schemeClr val="accent1"/>
-          </a:effectRef>
-          <a:fontRef idx="minor">
-            <a:schemeClr val="tx1"/>
-          </a:fontRef>
-        </p:style>
-      </p:cxnSp>
-      <p:cxnSp>
-        <p:nvCxnSpPr>
-          <p:cNvPr id="116" name="Verbinder: gewinkelt 115">
-            <a:extLst>
-              <a:ext uri="{FF2B5EF4-FFF2-40B4-BE49-F238E27FC236}">
-                <a16:creationId xmlns:a16="http://schemas.microsoft.com/office/drawing/2014/main" id="{4B8CB0FE-C4E5-44F0-BA33-F2505CF02797}"/>
-              </a:ext>
-            </a:extLst>
-          </p:cNvPr>
-          <p:cNvCxnSpPr>
-            <a:cxnSpLocks/>
-            <a:stCxn id="76" idx="0"/>
+            <a:stCxn id="77" idx="0"/>
             <a:endCxn id="5" idx="0"/>
           </p:cNvCxnSpPr>
           <p:nvPr/>
         </p:nvCxnSpPr>
         <p:spPr>
           <a:xfrm rot="16200000" flipH="1" flipV="1">
-            <a:off x="2018994" y="452833"/>
-            <a:ext cx="1437302" cy="4155035"/>
+            <a:off x="3071399" y="-599572"/>
+            <a:ext cx="1437302" cy="6259845"/>
           </a:xfrm>
           <a:prstGeom prst="bentConnector3">
             <a:avLst>
@@ -5938,24 +5836,24 @@
       </p:cxnSp>
       <p:cxnSp>
         <p:nvCxnSpPr>
-          <p:cNvPr id="120" name="Verbinder: gewinkelt 119">
-            <a:extLst>
-              <a:ext uri="{FF2B5EF4-FFF2-40B4-BE49-F238E27FC236}">
-                <a16:creationId xmlns:a16="http://schemas.microsoft.com/office/drawing/2014/main" id="{910FAA06-DDB5-4369-87D2-1D84BF34DFE9}"/>
+          <p:cNvPr id="124" name="Verbinder: gewinkelt 123">
+            <a:extLst>
+              <a:ext uri="{FF2B5EF4-FFF2-40B4-BE49-F238E27FC236}">
+                <a16:creationId xmlns:a16="http://schemas.microsoft.com/office/drawing/2014/main" id="{12284A64-C231-408B-8ABE-12C6C6E37628}"/>
               </a:ext>
             </a:extLst>
           </p:cNvPr>
           <p:cNvCxnSpPr>
             <a:cxnSpLocks/>
-            <a:stCxn id="77" idx="0"/>
+            <a:stCxn id="107" idx="0"/>
             <a:endCxn id="5" idx="0"/>
           </p:cNvCxnSpPr>
           <p:nvPr/>
         </p:nvCxnSpPr>
         <p:spPr>
           <a:xfrm rot="16200000" flipH="1" flipV="1">
-            <a:off x="3071399" y="-599572"/>
-            <a:ext cx="1437302" cy="6259845"/>
+            <a:off x="4436608" y="-1964781"/>
+            <a:ext cx="1437302" cy="8990264"/>
           </a:xfrm>
           <a:prstGeom prst="bentConnector3">
             <a:avLst>
@@ -5986,54 +5884,6 @@
       </p:cxnSp>
       <p:cxnSp>
         <p:nvCxnSpPr>
-          <p:cNvPr id="124" name="Verbinder: gewinkelt 123">
-            <a:extLst>
-              <a:ext uri="{FF2B5EF4-FFF2-40B4-BE49-F238E27FC236}">
-                <a16:creationId xmlns:a16="http://schemas.microsoft.com/office/drawing/2014/main" id="{12284A64-C231-408B-8ABE-12C6C6E37628}"/>
-              </a:ext>
-            </a:extLst>
-          </p:cNvPr>
-          <p:cNvCxnSpPr>
-            <a:cxnSpLocks/>
-            <a:stCxn id="107" idx="0"/>
-            <a:endCxn id="5" idx="0"/>
-          </p:cNvCxnSpPr>
-          <p:nvPr/>
-        </p:nvCxnSpPr>
-        <p:spPr>
-          <a:xfrm rot="16200000" flipH="1" flipV="1">
-            <a:off x="4436608" y="-1964781"/>
-            <a:ext cx="1437302" cy="8990264"/>
-          </a:xfrm>
-          <a:prstGeom prst="bentConnector3">
-            <a:avLst>
-              <a:gd name="adj1" fmla="val -63619"/>
-            </a:avLst>
-          </a:prstGeom>
-          <a:ln>
-            <a:solidFill>
-              <a:schemeClr val="tx1"/>
-            </a:solidFill>
-            <a:tailEnd type="triangle"/>
-          </a:ln>
-        </p:spPr>
-        <p:style>
-          <a:lnRef idx="1">
-            <a:schemeClr val="accent1"/>
-          </a:lnRef>
-          <a:fillRef idx="0">
-            <a:schemeClr val="accent1"/>
-          </a:fillRef>
-          <a:effectRef idx="0">
-            <a:schemeClr val="accent1"/>
-          </a:effectRef>
-          <a:fontRef idx="minor">
-            <a:schemeClr val="tx1"/>
-          </a:fontRef>
-        </p:style>
-      </p:cxnSp>
-      <p:cxnSp>
-        <p:nvCxnSpPr>
           <p:cNvPr id="128" name="Verbinder: gewinkelt 127">
             <a:extLst>
               <a:ext uri="{FF2B5EF4-FFF2-40B4-BE49-F238E27FC236}">
@@ -6519,44 +6369,6 @@
         <p:spPr>
           <a:xfrm>
             <a:off x="9710423" y="1475426"/>
-            <a:ext cx="545086" cy="307777"/>
-          </a:xfrm>
-          <a:prstGeom prst="rect">
-            <a:avLst/>
-          </a:prstGeom>
-          <a:noFill/>
-        </p:spPr>
-        <p:txBody>
-          <a:bodyPr wrap="none" rtlCol="0">
-            <a:spAutoFit/>
-          </a:bodyPr>
-          <a:lstStyle/>
-          <a:p>
-            <a:r>
-              <a:rPr lang="de-DE" sz="1400" dirty="0">
-                <a:latin typeface="Arial" panose="020B0604020202020204" pitchFamily="34" charset="0"/>
-                <a:cs typeface="Arial" panose="020B0604020202020204" pitchFamily="34" charset="0"/>
-              </a:rPr>
-              <a:t>True</a:t>
-            </a:r>
-          </a:p>
-        </p:txBody>
-      </p:sp>
-      <p:sp>
-        <p:nvSpPr>
-          <p:cNvPr id="150" name="Textfeld 149">
-            <a:extLst>
-              <a:ext uri="{FF2B5EF4-FFF2-40B4-BE49-F238E27FC236}">
-                <a16:creationId xmlns:a16="http://schemas.microsoft.com/office/drawing/2014/main" id="{D2B406AD-9982-4BC7-B5EB-905C125DBA56}"/>
-              </a:ext>
-            </a:extLst>
-          </p:cNvPr>
-          <p:cNvSpPr txBox="1"/>
-          <p:nvPr/>
-        </p:nvSpPr>
-        <p:spPr>
-          <a:xfrm>
-            <a:off x="4815162" y="1360820"/>
             <a:ext cx="545086" cy="307777"/>
           </a:xfrm>
           <a:prstGeom prst="rect">
@@ -6699,6 +6511,199 @@
                 <a:cs typeface="Arial" panose="020B0604020202020204" pitchFamily="34" charset="0"/>
               </a:rPr>
               <a:t>failed</a:t>
+            </a:r>
+            <a:endParaRPr lang="de-DE" sz="1600" dirty="0">
+              <a:solidFill>
+                <a:schemeClr val="tx1"/>
+              </a:solidFill>
+              <a:latin typeface="Arial" panose="020B0604020202020204" pitchFamily="34" charset="0"/>
+              <a:cs typeface="Arial" panose="020B0604020202020204" pitchFamily="34" charset="0"/>
+            </a:endParaRPr>
+          </a:p>
+        </p:txBody>
+      </p:sp>
+      <p:sp>
+        <p:nvSpPr>
+          <p:cNvPr id="87" name="Rechteck 86">
+            <a:extLst>
+              <a:ext uri="{FF2B5EF4-FFF2-40B4-BE49-F238E27FC236}">
+                <a16:creationId xmlns:a16="http://schemas.microsoft.com/office/drawing/2014/main" id="{5B6FF6F3-B560-40A6-84D8-23CCBB402046}"/>
+              </a:ext>
+            </a:extLst>
+          </p:cNvPr>
+          <p:cNvSpPr/>
+          <p:nvPr/>
+        </p:nvSpPr>
+        <p:spPr>
+          <a:xfrm>
+            <a:off x="3147112" y="556636"/>
+            <a:ext cx="1285875" cy="537675"/>
+          </a:xfrm>
+          <a:prstGeom prst="rect">
+            <a:avLst/>
+          </a:prstGeom>
+          <a:solidFill>
+            <a:schemeClr val="bg1"/>
+          </a:solidFill>
+          <a:ln>
+            <a:solidFill>
+              <a:schemeClr val="tx1"/>
+            </a:solidFill>
+          </a:ln>
+        </p:spPr>
+        <p:style>
+          <a:lnRef idx="2">
+            <a:schemeClr val="accent1">
+              <a:shade val="50000"/>
+            </a:schemeClr>
+          </a:lnRef>
+          <a:fillRef idx="1">
+            <a:schemeClr val="accent1"/>
+          </a:fillRef>
+          <a:effectRef idx="0">
+            <a:schemeClr val="accent1"/>
+          </a:effectRef>
+          <a:fontRef idx="minor">
+            <a:schemeClr val="lt1"/>
+          </a:fontRef>
+        </p:style>
+        <p:txBody>
+          <a:bodyPr rtlCol="0" anchor="ctr"/>
+          <a:lstStyle/>
+          <a:p>
+            <a:pPr algn="ctr"/>
+            <a:r>
+              <a:rPr lang="de-DE" sz="1600" dirty="0">
+                <a:solidFill>
+                  <a:schemeClr val="tx1"/>
+                </a:solidFill>
+                <a:latin typeface="Arial" panose="020B0604020202020204" pitchFamily="34" charset="0"/>
+                <a:cs typeface="Arial" panose="020B0604020202020204" pitchFamily="34" charset="0"/>
+              </a:rPr>
+              <a:t>Open MR</a:t>
+            </a:r>
+          </a:p>
+        </p:txBody>
+      </p:sp>
+      <p:sp>
+        <p:nvSpPr>
+          <p:cNvPr id="91" name="Rechteck 90">
+            <a:extLst>
+              <a:ext uri="{FF2B5EF4-FFF2-40B4-BE49-F238E27FC236}">
+                <a16:creationId xmlns:a16="http://schemas.microsoft.com/office/drawing/2014/main" id="{A84A90E8-360B-469D-BAA0-670CE4198291}"/>
+              </a:ext>
+            </a:extLst>
+          </p:cNvPr>
+          <p:cNvSpPr/>
+          <p:nvPr/>
+        </p:nvSpPr>
+        <p:spPr>
+          <a:xfrm>
+            <a:off x="932033" y="433408"/>
+            <a:ext cx="1791793" cy="984187"/>
+          </a:xfrm>
+          <a:prstGeom prst="rect">
+            <a:avLst/>
+          </a:prstGeom>
+          <a:solidFill>
+            <a:schemeClr val="bg1"/>
+          </a:solidFill>
+          <a:ln>
+            <a:solidFill>
+              <a:schemeClr val="tx1"/>
+            </a:solidFill>
+          </a:ln>
+        </p:spPr>
+        <p:style>
+          <a:lnRef idx="2">
+            <a:schemeClr val="accent1">
+              <a:shade val="50000"/>
+            </a:schemeClr>
+          </a:lnRef>
+          <a:fillRef idx="1">
+            <a:schemeClr val="accent1"/>
+          </a:fillRef>
+          <a:effectRef idx="0">
+            <a:schemeClr val="accent1"/>
+          </a:effectRef>
+          <a:fontRef idx="minor">
+            <a:schemeClr val="lt1"/>
+          </a:fontRef>
+        </p:style>
+        <p:txBody>
+          <a:bodyPr rtlCol="0" anchor="ctr"/>
+          <a:lstStyle/>
+          <a:p>
+            <a:pPr algn="ctr"/>
+            <a:r>
+              <a:rPr lang="de-DE" sz="1600" dirty="0" err="1">
+                <a:solidFill>
+                  <a:schemeClr val="tx1"/>
+                </a:solidFill>
+                <a:latin typeface="Arial" panose="020B0604020202020204" pitchFamily="34" charset="0"/>
+                <a:cs typeface="Arial" panose="020B0604020202020204" pitchFamily="34" charset="0"/>
+              </a:rPr>
+              <a:t>Merge</a:t>
+            </a:r>
+            <a:r>
+              <a:rPr lang="de-DE" sz="1600" dirty="0">
+                <a:solidFill>
+                  <a:schemeClr val="tx1"/>
+                </a:solidFill>
+                <a:latin typeface="Arial" panose="020B0604020202020204" pitchFamily="34" charset="0"/>
+                <a:cs typeface="Arial" panose="020B0604020202020204" pitchFamily="34" charset="0"/>
+              </a:rPr>
+              <a:t> in </a:t>
+            </a:r>
+            <a:r>
+              <a:rPr lang="de-DE" sz="1600" dirty="0" err="1">
+                <a:solidFill>
+                  <a:schemeClr val="tx1"/>
+                </a:solidFill>
+                <a:latin typeface="Arial" panose="020B0604020202020204" pitchFamily="34" charset="0"/>
+                <a:cs typeface="Arial" panose="020B0604020202020204" pitchFamily="34" charset="0"/>
+              </a:rPr>
+              <a:t>work-branch</a:t>
+            </a:r>
+            <a:r>
+              <a:rPr lang="de-DE" sz="1600" dirty="0">
+                <a:solidFill>
+                  <a:schemeClr val="tx1"/>
+                </a:solidFill>
+                <a:latin typeface="Arial" panose="020B0604020202020204" pitchFamily="34" charset="0"/>
+                <a:cs typeface="Arial" panose="020B0604020202020204" pitchFamily="34" charset="0"/>
+              </a:rPr>
+              <a:t> and </a:t>
+            </a:r>
+            <a:r>
+              <a:rPr lang="de-DE" sz="1600" dirty="0" err="1">
+                <a:solidFill>
+                  <a:schemeClr val="tx1"/>
+                </a:solidFill>
+                <a:latin typeface="Arial" panose="020B0604020202020204" pitchFamily="34" charset="0"/>
+                <a:cs typeface="Arial" panose="020B0604020202020204" pitchFamily="34" charset="0"/>
+              </a:rPr>
+              <a:t>delete</a:t>
+            </a:r>
+            <a:r>
+              <a:rPr lang="de-DE" sz="1600" dirty="0">
+                <a:solidFill>
+                  <a:schemeClr val="tx1"/>
+                </a:solidFill>
+                <a:latin typeface="Arial" panose="020B0604020202020204" pitchFamily="34" charset="0"/>
+                <a:cs typeface="Arial" panose="020B0604020202020204" pitchFamily="34" charset="0"/>
+              </a:rPr>
+              <a:t> </a:t>
+            </a:r>
+            <a:r>
+              <a:rPr lang="de-DE" sz="1600" dirty="0" err="1">
+                <a:solidFill>
+                  <a:schemeClr val="tx1"/>
+                </a:solidFill>
+                <a:latin typeface="Arial" panose="020B0604020202020204" pitchFamily="34" charset="0"/>
+                <a:cs typeface="Arial" panose="020B0604020202020204" pitchFamily="34" charset="0"/>
+              </a:rPr>
+              <a:t>correct-branch</a:t>
             </a:r>
             <a:endParaRPr lang="de-DE" sz="1600" dirty="0">
               <a:solidFill>
@@ -7533,60 +7538,6 @@
               <a:latin typeface="Arial" panose="020B0604020202020204" pitchFamily="34" charset="0"/>
               <a:cs typeface="Arial" panose="020B0604020202020204" pitchFamily="34" charset="0"/>
             </a:endParaRPr>
-          </a:p>
-        </p:txBody>
-      </p:sp>
-      <p:sp>
-        <p:nvSpPr>
-          <p:cNvPr id="76" name="Raute 75">
-            <a:extLst>
-              <a:ext uri="{FF2B5EF4-FFF2-40B4-BE49-F238E27FC236}">
-                <a16:creationId xmlns:a16="http://schemas.microsoft.com/office/drawing/2014/main" id="{D6C68462-77F6-4961-8075-C408D1111FE9}"/>
-              </a:ext>
-            </a:extLst>
-          </p:cNvPr>
-          <p:cNvSpPr/>
-          <p:nvPr/>
-        </p:nvSpPr>
-        <p:spPr>
-          <a:xfrm>
-            <a:off x="4635162" y="1811700"/>
-            <a:ext cx="360000" cy="360000"/>
-          </a:xfrm>
-          <a:prstGeom prst="diamond">
-            <a:avLst/>
-          </a:prstGeom>
-          <a:solidFill>
-            <a:schemeClr val="tx1"/>
-          </a:solidFill>
-          <a:ln>
-            <a:solidFill>
-              <a:schemeClr val="tx1"/>
-            </a:solidFill>
-          </a:ln>
-        </p:spPr>
-        <p:style>
-          <a:lnRef idx="2">
-            <a:schemeClr val="accent1">
-              <a:shade val="50000"/>
-            </a:schemeClr>
-          </a:lnRef>
-          <a:fillRef idx="1">
-            <a:schemeClr val="accent1"/>
-          </a:fillRef>
-          <a:effectRef idx="0">
-            <a:schemeClr val="accent1"/>
-          </a:effectRef>
-          <a:fontRef idx="minor">
-            <a:schemeClr val="lt1"/>
-          </a:fontRef>
-        </p:style>
-        <p:txBody>
-          <a:bodyPr rtlCol="0" anchor="ctr"/>
-          <a:lstStyle/>
-          <a:p>
-            <a:pPr algn="ctr"/>
-            <a:endParaRPr lang="de-DE"/>
           </a:p>
         </p:txBody>
       </p:sp>
@@ -7831,14 +7782,14 @@
           <p:cNvCxnSpPr>
             <a:cxnSpLocks/>
             <a:stCxn id="55" idx="3"/>
-            <a:endCxn id="76" idx="1"/>
+            <a:endCxn id="56" idx="1"/>
           </p:cNvCxnSpPr>
           <p:nvPr/>
         </p:nvCxnSpPr>
         <p:spPr>
           <a:xfrm>
             <a:off x="4407534" y="1989658"/>
-            <a:ext cx="227628" cy="2042"/>
+            <a:ext cx="819149" cy="12700"/>
           </a:xfrm>
           <a:prstGeom prst="bentConnector3">
             <a:avLst>
@@ -7869,24 +7820,24 @@
       </p:cxnSp>
       <p:cxnSp>
         <p:nvCxnSpPr>
-          <p:cNvPr id="92" name="Verbinder: gewinkelt 91">
-            <a:extLst>
-              <a:ext uri="{FF2B5EF4-FFF2-40B4-BE49-F238E27FC236}">
-                <a16:creationId xmlns:a16="http://schemas.microsoft.com/office/drawing/2014/main" id="{59FA81A0-75D7-43E7-8863-55444DFA336C}"/>
+          <p:cNvPr id="95" name="Verbinder: gewinkelt 94">
+            <a:extLst>
+              <a:ext uri="{FF2B5EF4-FFF2-40B4-BE49-F238E27FC236}">
+                <a16:creationId xmlns:a16="http://schemas.microsoft.com/office/drawing/2014/main" id="{73378B6A-A0B1-4641-8E4B-B42B126AFD59}"/>
               </a:ext>
             </a:extLst>
           </p:cNvPr>
           <p:cNvCxnSpPr>
             <a:cxnSpLocks/>
-            <a:stCxn id="76" idx="3"/>
-            <a:endCxn id="56" idx="1"/>
+            <a:stCxn id="56" idx="3"/>
+            <a:endCxn id="77" idx="1"/>
           </p:cNvCxnSpPr>
           <p:nvPr/>
         </p:nvCxnSpPr>
         <p:spPr>
-          <a:xfrm flipV="1">
-            <a:off x="4995162" y="1989658"/>
-            <a:ext cx="231521" cy="2042"/>
+          <a:xfrm>
+            <a:off x="6512558" y="1989658"/>
+            <a:ext cx="227414" cy="2042"/>
           </a:xfrm>
           <a:prstGeom prst="bentConnector3">
             <a:avLst>
@@ -7917,24 +7868,24 @@
       </p:cxnSp>
       <p:cxnSp>
         <p:nvCxnSpPr>
-          <p:cNvPr id="95" name="Verbinder: gewinkelt 94">
-            <a:extLst>
-              <a:ext uri="{FF2B5EF4-FFF2-40B4-BE49-F238E27FC236}">
-                <a16:creationId xmlns:a16="http://schemas.microsoft.com/office/drawing/2014/main" id="{73378B6A-A0B1-4641-8E4B-B42B126AFD59}"/>
+          <p:cNvPr id="98" name="Verbinder: gewinkelt 97">
+            <a:extLst>
+              <a:ext uri="{FF2B5EF4-FFF2-40B4-BE49-F238E27FC236}">
+                <a16:creationId xmlns:a16="http://schemas.microsoft.com/office/drawing/2014/main" id="{13119882-443A-49C2-A95F-19EB2D05F9EC}"/>
               </a:ext>
             </a:extLst>
           </p:cNvPr>
           <p:cNvCxnSpPr>
             <a:cxnSpLocks/>
-            <a:stCxn id="56" idx="3"/>
-            <a:endCxn id="77" idx="1"/>
+            <a:stCxn id="77" idx="3"/>
+            <a:endCxn id="57" idx="1"/>
           </p:cNvCxnSpPr>
           <p:nvPr/>
         </p:nvCxnSpPr>
         <p:spPr>
-          <a:xfrm>
-            <a:off x="6512558" y="1989658"/>
-            <a:ext cx="227414" cy="2042"/>
+          <a:xfrm flipV="1">
+            <a:off x="7099972" y="1989658"/>
+            <a:ext cx="234446" cy="2042"/>
           </a:xfrm>
           <a:prstGeom prst="bentConnector3">
             <a:avLst>
@@ -7965,24 +7916,24 @@
       </p:cxnSp>
       <p:cxnSp>
         <p:nvCxnSpPr>
-          <p:cNvPr id="98" name="Verbinder: gewinkelt 97">
-            <a:extLst>
-              <a:ext uri="{FF2B5EF4-FFF2-40B4-BE49-F238E27FC236}">
-                <a16:creationId xmlns:a16="http://schemas.microsoft.com/office/drawing/2014/main" id="{13119882-443A-49C2-A95F-19EB2D05F9EC}"/>
+          <p:cNvPr id="102" name="Verbinder: gewinkelt 101">
+            <a:extLst>
+              <a:ext uri="{FF2B5EF4-FFF2-40B4-BE49-F238E27FC236}">
+                <a16:creationId xmlns:a16="http://schemas.microsoft.com/office/drawing/2014/main" id="{FA0BDF66-C470-4BC9-A859-727FE499BA38}"/>
               </a:ext>
             </a:extLst>
           </p:cNvPr>
           <p:cNvCxnSpPr>
             <a:cxnSpLocks/>
-            <a:stCxn id="77" idx="3"/>
-            <a:endCxn id="57" idx="1"/>
+            <a:stCxn id="57" idx="3"/>
+            <a:endCxn id="78" idx="2"/>
           </p:cNvCxnSpPr>
           <p:nvPr/>
         </p:nvCxnSpPr>
         <p:spPr>
-          <a:xfrm flipV="1">
-            <a:off x="7099972" y="1989658"/>
-            <a:ext cx="234446" cy="2042"/>
+          <a:xfrm>
+            <a:off x="8856684" y="1989658"/>
+            <a:ext cx="2527651" cy="90"/>
           </a:xfrm>
           <a:prstGeom prst="bentConnector3">
             <a:avLst>
@@ -8011,54 +7962,6 @@
           </a:fontRef>
         </p:style>
       </p:cxnSp>
-      <p:cxnSp>
-        <p:nvCxnSpPr>
-          <p:cNvPr id="102" name="Verbinder: gewinkelt 101">
-            <a:extLst>
-              <a:ext uri="{FF2B5EF4-FFF2-40B4-BE49-F238E27FC236}">
-                <a16:creationId xmlns:a16="http://schemas.microsoft.com/office/drawing/2014/main" id="{FA0BDF66-C470-4BC9-A859-727FE499BA38}"/>
-              </a:ext>
-            </a:extLst>
-          </p:cNvPr>
-          <p:cNvCxnSpPr>
-            <a:cxnSpLocks/>
-            <a:stCxn id="57" idx="3"/>
-            <a:endCxn id="78" idx="2"/>
-          </p:cNvCxnSpPr>
-          <p:nvPr/>
-        </p:nvCxnSpPr>
-        <p:spPr>
-          <a:xfrm>
-            <a:off x="8856684" y="1989658"/>
-            <a:ext cx="2527651" cy="90"/>
-          </a:xfrm>
-          <a:prstGeom prst="bentConnector3">
-            <a:avLst>
-              <a:gd name="adj1" fmla="val 50000"/>
-            </a:avLst>
-          </a:prstGeom>
-          <a:ln>
-            <a:solidFill>
-              <a:schemeClr val="tx1"/>
-            </a:solidFill>
-            <a:tailEnd type="triangle"/>
-          </a:ln>
-        </p:spPr>
-        <p:style>
-          <a:lnRef idx="1">
-            <a:schemeClr val="accent1"/>
-          </a:lnRef>
-          <a:fillRef idx="0">
-            <a:schemeClr val="accent1"/>
-          </a:fillRef>
-          <a:effectRef idx="0">
-            <a:schemeClr val="accent1"/>
-          </a:effectRef>
-          <a:fontRef idx="minor">
-            <a:schemeClr val="tx1"/>
-          </a:fontRef>
-        </p:style>
-      </p:cxnSp>
       <p:sp>
         <p:nvSpPr>
           <p:cNvPr id="107" name="Raute 106">
@@ -8115,24 +8018,24 @@
       </p:sp>
       <p:cxnSp>
         <p:nvCxnSpPr>
-          <p:cNvPr id="116" name="Verbinder: gewinkelt 115">
-            <a:extLst>
-              <a:ext uri="{FF2B5EF4-FFF2-40B4-BE49-F238E27FC236}">
-                <a16:creationId xmlns:a16="http://schemas.microsoft.com/office/drawing/2014/main" id="{4B8CB0FE-C4E5-44F0-BA33-F2505CF02797}"/>
+          <p:cNvPr id="120" name="Verbinder: gewinkelt 119">
+            <a:extLst>
+              <a:ext uri="{FF2B5EF4-FFF2-40B4-BE49-F238E27FC236}">
+                <a16:creationId xmlns:a16="http://schemas.microsoft.com/office/drawing/2014/main" id="{910FAA06-DDB5-4369-87D2-1D84BF34DFE9}"/>
               </a:ext>
             </a:extLst>
           </p:cNvPr>
           <p:cNvCxnSpPr>
             <a:cxnSpLocks/>
-            <a:stCxn id="76" idx="0"/>
+            <a:stCxn id="77" idx="0"/>
             <a:endCxn id="5" idx="0"/>
           </p:cNvCxnSpPr>
           <p:nvPr/>
         </p:nvCxnSpPr>
         <p:spPr>
           <a:xfrm rot="16200000" flipH="1" flipV="1">
-            <a:off x="2018994" y="452833"/>
-            <a:ext cx="1437302" cy="4155035"/>
+            <a:off x="3071399" y="-599572"/>
+            <a:ext cx="1437302" cy="6259845"/>
           </a:xfrm>
           <a:prstGeom prst="bentConnector3">
             <a:avLst>
@@ -8163,24 +8066,24 @@
       </p:cxnSp>
       <p:cxnSp>
         <p:nvCxnSpPr>
-          <p:cNvPr id="120" name="Verbinder: gewinkelt 119">
-            <a:extLst>
-              <a:ext uri="{FF2B5EF4-FFF2-40B4-BE49-F238E27FC236}">
-                <a16:creationId xmlns:a16="http://schemas.microsoft.com/office/drawing/2014/main" id="{910FAA06-DDB5-4369-87D2-1D84BF34DFE9}"/>
+          <p:cNvPr id="124" name="Verbinder: gewinkelt 123">
+            <a:extLst>
+              <a:ext uri="{FF2B5EF4-FFF2-40B4-BE49-F238E27FC236}">
+                <a16:creationId xmlns:a16="http://schemas.microsoft.com/office/drawing/2014/main" id="{12284A64-C231-408B-8ABE-12C6C6E37628}"/>
               </a:ext>
             </a:extLst>
           </p:cNvPr>
           <p:cNvCxnSpPr>
             <a:cxnSpLocks/>
-            <a:stCxn id="77" idx="0"/>
+            <a:stCxn id="107" idx="0"/>
             <a:endCxn id="5" idx="0"/>
           </p:cNvCxnSpPr>
           <p:nvPr/>
         </p:nvCxnSpPr>
         <p:spPr>
           <a:xfrm rot="16200000" flipH="1" flipV="1">
-            <a:off x="3071399" y="-599572"/>
-            <a:ext cx="1437302" cy="6259845"/>
+            <a:off x="4436608" y="-1964781"/>
+            <a:ext cx="1437302" cy="8990264"/>
           </a:xfrm>
           <a:prstGeom prst="bentConnector3">
             <a:avLst>
@@ -8209,54 +8112,6 @@
           </a:fontRef>
         </p:style>
       </p:cxnSp>
-      <p:cxnSp>
-        <p:nvCxnSpPr>
-          <p:cNvPr id="124" name="Verbinder: gewinkelt 123">
-            <a:extLst>
-              <a:ext uri="{FF2B5EF4-FFF2-40B4-BE49-F238E27FC236}">
-                <a16:creationId xmlns:a16="http://schemas.microsoft.com/office/drawing/2014/main" id="{12284A64-C231-408B-8ABE-12C6C6E37628}"/>
-              </a:ext>
-            </a:extLst>
-          </p:cNvPr>
-          <p:cNvCxnSpPr>
-            <a:cxnSpLocks/>
-            <a:stCxn id="107" idx="0"/>
-            <a:endCxn id="5" idx="0"/>
-          </p:cNvCxnSpPr>
-          <p:nvPr/>
-        </p:nvCxnSpPr>
-        <p:spPr>
-          <a:xfrm rot="16200000" flipH="1" flipV="1">
-            <a:off x="4436608" y="-1964781"/>
-            <a:ext cx="1437302" cy="8990264"/>
-          </a:xfrm>
-          <a:prstGeom prst="bentConnector3">
-            <a:avLst>
-              <a:gd name="adj1" fmla="val -63619"/>
-            </a:avLst>
-          </a:prstGeom>
-          <a:ln>
-            <a:solidFill>
-              <a:schemeClr val="tx1"/>
-            </a:solidFill>
-            <a:tailEnd type="triangle"/>
-          </a:ln>
-        </p:spPr>
-        <p:style>
-          <a:lnRef idx="1">
-            <a:schemeClr val="accent1"/>
-          </a:lnRef>
-          <a:fillRef idx="0">
-            <a:schemeClr val="accent1"/>
-          </a:fillRef>
-          <a:effectRef idx="0">
-            <a:schemeClr val="accent1"/>
-          </a:effectRef>
-          <a:fontRef idx="minor">
-            <a:schemeClr val="tx1"/>
-          </a:fontRef>
-        </p:style>
-      </p:cxnSp>
       <p:sp>
         <p:nvSpPr>
           <p:cNvPr id="141" name="Textfeld 140">
@@ -8301,10 +8156,10 @@
       </p:sp>
       <p:sp>
         <p:nvSpPr>
-          <p:cNvPr id="145" name="Textfeld 144">
-            <a:extLst>
-              <a:ext uri="{FF2B5EF4-FFF2-40B4-BE49-F238E27FC236}">
-                <a16:creationId xmlns:a16="http://schemas.microsoft.com/office/drawing/2014/main" id="{5FED1859-B068-4AB6-9A7A-027049F61BC4}"/>
+          <p:cNvPr id="146" name="Textfeld 145">
+            <a:extLst>
+              <a:ext uri="{FF2B5EF4-FFF2-40B4-BE49-F238E27FC236}">
+                <a16:creationId xmlns:a16="http://schemas.microsoft.com/office/drawing/2014/main" id="{0B642B39-1537-4527-8049-08D271E83A9E}"/>
               </a:ext>
             </a:extLst>
           </p:cNvPr>
@@ -8313,7 +8168,7 @@
         </p:nvSpPr>
         <p:spPr>
           <a:xfrm>
-            <a:off x="4712430" y="2140792"/>
+            <a:off x="6821634" y="2150094"/>
             <a:ext cx="622286" cy="307777"/>
           </a:xfrm>
           <a:prstGeom prst="rect">
@@ -8343,10 +8198,10 @@
       </p:sp>
       <p:sp>
         <p:nvSpPr>
-          <p:cNvPr id="146" name="Textfeld 145">
-            <a:extLst>
-              <a:ext uri="{FF2B5EF4-FFF2-40B4-BE49-F238E27FC236}">
-                <a16:creationId xmlns:a16="http://schemas.microsoft.com/office/drawing/2014/main" id="{0B642B39-1537-4527-8049-08D271E83A9E}"/>
+          <p:cNvPr id="147" name="Textfeld 146">
+            <a:extLst>
+              <a:ext uri="{FF2B5EF4-FFF2-40B4-BE49-F238E27FC236}">
+                <a16:creationId xmlns:a16="http://schemas.microsoft.com/office/drawing/2014/main" id="{A0D2870A-9683-4DAA-97DD-430A698F8188}"/>
               </a:ext>
             </a:extLst>
           </p:cNvPr>
@@ -8355,7 +8210,7 @@
         </p:nvSpPr>
         <p:spPr>
           <a:xfrm>
-            <a:off x="6821634" y="2150094"/>
+            <a:off x="9748977" y="2062171"/>
             <a:ext cx="622286" cy="307777"/>
           </a:xfrm>
           <a:prstGeom prst="rect">
@@ -8385,48 +8240,6 @@
       </p:sp>
       <p:sp>
         <p:nvSpPr>
-          <p:cNvPr id="147" name="Textfeld 146">
-            <a:extLst>
-              <a:ext uri="{FF2B5EF4-FFF2-40B4-BE49-F238E27FC236}">
-                <a16:creationId xmlns:a16="http://schemas.microsoft.com/office/drawing/2014/main" id="{A0D2870A-9683-4DAA-97DD-430A698F8188}"/>
-              </a:ext>
-            </a:extLst>
-          </p:cNvPr>
-          <p:cNvSpPr txBox="1"/>
-          <p:nvPr/>
-        </p:nvSpPr>
-        <p:spPr>
-          <a:xfrm>
-            <a:off x="9748977" y="2062171"/>
-            <a:ext cx="622286" cy="307777"/>
-          </a:xfrm>
-          <a:prstGeom prst="rect">
-            <a:avLst/>
-          </a:prstGeom>
-          <a:noFill/>
-        </p:spPr>
-        <p:txBody>
-          <a:bodyPr wrap="none" rtlCol="0">
-            <a:spAutoFit/>
-          </a:bodyPr>
-          <a:lstStyle/>
-          <a:p>
-            <a:r>
-              <a:rPr lang="de-DE" sz="1400" dirty="0" err="1">
-                <a:latin typeface="Arial" panose="020B0604020202020204" pitchFamily="34" charset="0"/>
-                <a:cs typeface="Arial" panose="020B0604020202020204" pitchFamily="34" charset="0"/>
-              </a:rPr>
-              <a:t>False</a:t>
-            </a:r>
-            <a:endParaRPr lang="de-DE" sz="1400" dirty="0">
-              <a:latin typeface="Arial" panose="020B0604020202020204" pitchFamily="34" charset="0"/>
-              <a:cs typeface="Arial" panose="020B0604020202020204" pitchFamily="34" charset="0"/>
-            </a:endParaRPr>
-          </a:p>
-        </p:txBody>
-      </p:sp>
-      <p:sp>
-        <p:nvSpPr>
           <p:cNvPr id="148" name="Textfeld 147">
             <a:extLst>
               <a:ext uri="{FF2B5EF4-FFF2-40B4-BE49-F238E27FC236}">
@@ -8478,44 +8291,6 @@
         <p:spPr>
           <a:xfrm>
             <a:off x="9710423" y="1475426"/>
-            <a:ext cx="545086" cy="307777"/>
-          </a:xfrm>
-          <a:prstGeom prst="rect">
-            <a:avLst/>
-          </a:prstGeom>
-          <a:noFill/>
-        </p:spPr>
-        <p:txBody>
-          <a:bodyPr wrap="none" rtlCol="0">
-            <a:spAutoFit/>
-          </a:bodyPr>
-          <a:lstStyle/>
-          <a:p>
-            <a:r>
-              <a:rPr lang="de-DE" sz="1400" dirty="0">
-                <a:latin typeface="Arial" panose="020B0604020202020204" pitchFamily="34" charset="0"/>
-                <a:cs typeface="Arial" panose="020B0604020202020204" pitchFamily="34" charset="0"/>
-              </a:rPr>
-              <a:t>True</a:t>
-            </a:r>
-          </a:p>
-        </p:txBody>
-      </p:sp>
-      <p:sp>
-        <p:nvSpPr>
-          <p:cNvPr id="150" name="Textfeld 149">
-            <a:extLst>
-              <a:ext uri="{FF2B5EF4-FFF2-40B4-BE49-F238E27FC236}">
-                <a16:creationId xmlns:a16="http://schemas.microsoft.com/office/drawing/2014/main" id="{D2B406AD-9982-4BC7-B5EB-905C125DBA56}"/>
-              </a:ext>
-            </a:extLst>
-          </p:cNvPr>
-          <p:cNvSpPr txBox="1"/>
-          <p:nvPr/>
-        </p:nvSpPr>
-        <p:spPr>
-          <a:xfrm>
-            <a:off x="4815162" y="1360820"/>
             <a:ext cx="545086" cy="307777"/>
           </a:xfrm>
           <a:prstGeom prst="rect">
@@ -8703,6 +8478,199 @@
               </a:rPr>
               <a:t>True</a:t>
             </a:r>
+          </a:p>
+        </p:txBody>
+      </p:sp>
+      <p:sp>
+        <p:nvSpPr>
+          <p:cNvPr id="43" name="Rechteck 42">
+            <a:extLst>
+              <a:ext uri="{FF2B5EF4-FFF2-40B4-BE49-F238E27FC236}">
+                <a16:creationId xmlns:a16="http://schemas.microsoft.com/office/drawing/2014/main" id="{30801C06-8110-43F3-A555-C4CA165FACAA}"/>
+              </a:ext>
+            </a:extLst>
+          </p:cNvPr>
+          <p:cNvSpPr/>
+          <p:nvPr/>
+        </p:nvSpPr>
+        <p:spPr>
+          <a:xfrm>
+            <a:off x="3147112" y="595638"/>
+            <a:ext cx="1285875" cy="537675"/>
+          </a:xfrm>
+          <a:prstGeom prst="rect">
+            <a:avLst/>
+          </a:prstGeom>
+          <a:solidFill>
+            <a:schemeClr val="bg1"/>
+          </a:solidFill>
+          <a:ln>
+            <a:solidFill>
+              <a:schemeClr val="tx1"/>
+            </a:solidFill>
+          </a:ln>
+        </p:spPr>
+        <p:style>
+          <a:lnRef idx="2">
+            <a:schemeClr val="accent1">
+              <a:shade val="50000"/>
+            </a:schemeClr>
+          </a:lnRef>
+          <a:fillRef idx="1">
+            <a:schemeClr val="accent1"/>
+          </a:fillRef>
+          <a:effectRef idx="0">
+            <a:schemeClr val="accent1"/>
+          </a:effectRef>
+          <a:fontRef idx="minor">
+            <a:schemeClr val="lt1"/>
+          </a:fontRef>
+        </p:style>
+        <p:txBody>
+          <a:bodyPr rtlCol="0" anchor="ctr"/>
+          <a:lstStyle/>
+          <a:p>
+            <a:pPr algn="ctr"/>
+            <a:r>
+              <a:rPr lang="de-DE" sz="1600" dirty="0">
+                <a:solidFill>
+                  <a:schemeClr val="tx1"/>
+                </a:solidFill>
+                <a:latin typeface="Arial" panose="020B0604020202020204" pitchFamily="34" charset="0"/>
+                <a:cs typeface="Arial" panose="020B0604020202020204" pitchFamily="34" charset="0"/>
+              </a:rPr>
+              <a:t>Open MR</a:t>
+            </a:r>
+          </a:p>
+        </p:txBody>
+      </p:sp>
+      <p:sp>
+        <p:nvSpPr>
+          <p:cNvPr id="44" name="Rechteck 43">
+            <a:extLst>
+              <a:ext uri="{FF2B5EF4-FFF2-40B4-BE49-F238E27FC236}">
+                <a16:creationId xmlns:a16="http://schemas.microsoft.com/office/drawing/2014/main" id="{564386F5-5550-487B-959E-4DAC1B9C48F5}"/>
+              </a:ext>
+            </a:extLst>
+          </p:cNvPr>
+          <p:cNvSpPr/>
+          <p:nvPr/>
+        </p:nvSpPr>
+        <p:spPr>
+          <a:xfrm>
+            <a:off x="932033" y="433408"/>
+            <a:ext cx="1791793" cy="984187"/>
+          </a:xfrm>
+          <a:prstGeom prst="rect">
+            <a:avLst/>
+          </a:prstGeom>
+          <a:solidFill>
+            <a:schemeClr val="bg1"/>
+          </a:solidFill>
+          <a:ln>
+            <a:solidFill>
+              <a:schemeClr val="tx1"/>
+            </a:solidFill>
+          </a:ln>
+        </p:spPr>
+        <p:style>
+          <a:lnRef idx="2">
+            <a:schemeClr val="accent1">
+              <a:shade val="50000"/>
+            </a:schemeClr>
+          </a:lnRef>
+          <a:fillRef idx="1">
+            <a:schemeClr val="accent1"/>
+          </a:fillRef>
+          <a:effectRef idx="0">
+            <a:schemeClr val="accent1"/>
+          </a:effectRef>
+          <a:fontRef idx="minor">
+            <a:schemeClr val="lt1"/>
+          </a:fontRef>
+        </p:style>
+        <p:txBody>
+          <a:bodyPr rtlCol="0" anchor="ctr"/>
+          <a:lstStyle/>
+          <a:p>
+            <a:pPr algn="ctr"/>
+            <a:r>
+              <a:rPr lang="de-DE" sz="1600" dirty="0" err="1">
+                <a:solidFill>
+                  <a:schemeClr val="tx1"/>
+                </a:solidFill>
+                <a:latin typeface="Arial" panose="020B0604020202020204" pitchFamily="34" charset="0"/>
+                <a:cs typeface="Arial" panose="020B0604020202020204" pitchFamily="34" charset="0"/>
+              </a:rPr>
+              <a:t>Merge</a:t>
+            </a:r>
+            <a:r>
+              <a:rPr lang="de-DE" sz="1600" dirty="0">
+                <a:solidFill>
+                  <a:schemeClr val="tx1"/>
+                </a:solidFill>
+                <a:latin typeface="Arial" panose="020B0604020202020204" pitchFamily="34" charset="0"/>
+                <a:cs typeface="Arial" panose="020B0604020202020204" pitchFamily="34" charset="0"/>
+              </a:rPr>
+              <a:t> in </a:t>
+            </a:r>
+            <a:r>
+              <a:rPr lang="de-DE" sz="1600" dirty="0" err="1">
+                <a:solidFill>
+                  <a:schemeClr val="tx1"/>
+                </a:solidFill>
+                <a:latin typeface="Arial" panose="020B0604020202020204" pitchFamily="34" charset="0"/>
+                <a:cs typeface="Arial" panose="020B0604020202020204" pitchFamily="34" charset="0"/>
+              </a:rPr>
+              <a:t>work-branch</a:t>
+            </a:r>
+            <a:r>
+              <a:rPr lang="de-DE" sz="1600" dirty="0">
+                <a:solidFill>
+                  <a:schemeClr val="tx1"/>
+                </a:solidFill>
+                <a:latin typeface="Arial" panose="020B0604020202020204" pitchFamily="34" charset="0"/>
+                <a:cs typeface="Arial" panose="020B0604020202020204" pitchFamily="34" charset="0"/>
+              </a:rPr>
+              <a:t> and </a:t>
+            </a:r>
+            <a:r>
+              <a:rPr lang="de-DE" sz="1600" dirty="0" err="1">
+                <a:solidFill>
+                  <a:schemeClr val="tx1"/>
+                </a:solidFill>
+                <a:latin typeface="Arial" panose="020B0604020202020204" pitchFamily="34" charset="0"/>
+                <a:cs typeface="Arial" panose="020B0604020202020204" pitchFamily="34" charset="0"/>
+              </a:rPr>
+              <a:t>delete</a:t>
+            </a:r>
+            <a:r>
+              <a:rPr lang="de-DE" sz="1600" dirty="0">
+                <a:solidFill>
+                  <a:schemeClr val="tx1"/>
+                </a:solidFill>
+                <a:latin typeface="Arial" panose="020B0604020202020204" pitchFamily="34" charset="0"/>
+                <a:cs typeface="Arial" panose="020B0604020202020204" pitchFamily="34" charset="0"/>
+              </a:rPr>
+              <a:t> </a:t>
+            </a:r>
+            <a:r>
+              <a:rPr lang="de-DE" sz="1600" dirty="0" err="1">
+                <a:solidFill>
+                  <a:schemeClr val="tx1"/>
+                </a:solidFill>
+                <a:latin typeface="Arial" panose="020B0604020202020204" pitchFamily="34" charset="0"/>
+                <a:cs typeface="Arial" panose="020B0604020202020204" pitchFamily="34" charset="0"/>
+              </a:rPr>
+              <a:t>correct-branch</a:t>
+            </a:r>
+            <a:endParaRPr lang="de-DE" sz="1600" dirty="0">
+              <a:solidFill>
+                <a:schemeClr val="tx1"/>
+              </a:solidFill>
+              <a:latin typeface="Arial" panose="020B0604020202020204" pitchFamily="34" charset="0"/>
+              <a:cs typeface="Arial" panose="020B0604020202020204" pitchFamily="34" charset="0"/>
+            </a:endParaRPr>
           </a:p>
         </p:txBody>
       </p:sp>
